--- a/Intro/BGOlearn.pptx
+++ b/Intro/BGOlearn.pptx
@@ -12780,7 +12780,7 @@
         <p:spPr>
           <a:xfrm>
             <a:off x="1385725" y="5953371"/>
-            <a:ext cx="6773008" cy="461665"/>
+            <a:ext cx="6474849" cy="461665"/>
           </a:xfrm>
           <a:prstGeom prst="rect">
             <a:avLst/>
@@ -12795,7 +12795,7 @@
           <a:p>
             <a:r>
               <a:rPr lang="en-CN" sz="2400" b="1" dirty="0"/>
-              <a:t>POI is worked </a:t>
+              <a:t>POI workes </a:t>
             </a:r>
             <a:r>
               <a:rPr lang="en-CN" sz="2400" b="1" dirty="0">

--- a/Intro/BGOlearn.pptx
+++ b/Intro/BGOlearn.pptx
@@ -278,7 +278,7 @@
               <a:pPr>
                 <a:defRPr/>
               </a:pPr>
-              <a:t>2022/9/9</a:t>
+              <a:t>2022/9/10</a:t>
             </a:fld>
             <a:endParaRPr lang="zh-CN" altLang="en-US" dirty="0"/>
           </a:p>
@@ -1764,7 +1764,7 @@
               <a:pPr>
                 <a:defRPr/>
               </a:pPr>
-              <a:t>2022/9/9</a:t>
+              <a:t>2022/9/10</a:t>
             </a:fld>
             <a:endParaRPr lang="zh-CN" altLang="en-US" dirty="0"/>
           </a:p>
@@ -1995,7 +1995,7 @@
               <a:pPr>
                 <a:defRPr/>
               </a:pPr>
-              <a:t>2022/9/9</a:t>
+              <a:t>2022/9/10</a:t>
             </a:fld>
             <a:endParaRPr lang="zh-CN" altLang="en-US" dirty="0"/>
           </a:p>
@@ -2236,7 +2236,7 @@
               <a:pPr>
                 <a:defRPr/>
               </a:pPr>
-              <a:t>2022/9/9</a:t>
+              <a:t>2022/9/10</a:t>
             </a:fld>
             <a:endParaRPr lang="zh-CN" altLang="en-US" dirty="0"/>
           </a:p>
@@ -2467,7 +2467,7 @@
               <a:pPr>
                 <a:defRPr/>
               </a:pPr>
-              <a:t>2022/9/9</a:t>
+              <a:t>2022/9/10</a:t>
             </a:fld>
             <a:endParaRPr lang="zh-CN" altLang="en-US" dirty="0"/>
           </a:p>
@@ -2746,7 +2746,7 @@
               <a:pPr>
                 <a:defRPr/>
               </a:pPr>
-              <a:t>2022/9/9</a:t>
+              <a:t>2022/9/10</a:t>
             </a:fld>
             <a:endParaRPr lang="zh-CN" altLang="en-US" dirty="0"/>
           </a:p>
@@ -3069,7 +3069,7 @@
               <a:pPr>
                 <a:defRPr/>
               </a:pPr>
-              <a:t>2022/9/9</a:t>
+              <a:t>2022/9/10</a:t>
             </a:fld>
             <a:endParaRPr lang="zh-CN" altLang="en-US" dirty="0"/>
           </a:p>
@@ -3533,7 +3533,7 @@
               <a:pPr>
                 <a:defRPr/>
               </a:pPr>
-              <a:t>2022/9/9</a:t>
+              <a:t>2022/9/10</a:t>
             </a:fld>
             <a:endParaRPr lang="zh-CN" altLang="en-US" dirty="0"/>
           </a:p>
@@ -3682,7 +3682,7 @@
               <a:pPr>
                 <a:defRPr/>
               </a:pPr>
-              <a:t>2022/9/9</a:t>
+              <a:t>2022/9/10</a:t>
             </a:fld>
             <a:endParaRPr lang="zh-CN" altLang="en-US" dirty="0"/>
           </a:p>
@@ -3809,7 +3809,7 @@
               <a:pPr>
                 <a:defRPr/>
               </a:pPr>
-              <a:t>2022/9/9</a:t>
+              <a:t>2022/9/10</a:t>
             </a:fld>
             <a:endParaRPr lang="zh-CN" altLang="en-US" dirty="0"/>
           </a:p>
@@ -4134,7 +4134,7 @@
               <a:pPr>
                 <a:defRPr/>
               </a:pPr>
-              <a:t>2022/9/9</a:t>
+              <a:t>2022/9/10</a:t>
             </a:fld>
             <a:endParaRPr lang="zh-CN" altLang="en-US" dirty="0"/>
           </a:p>
@@ -4427,7 +4427,7 @@
               <a:pPr>
                 <a:defRPr/>
               </a:pPr>
-              <a:t>2022/9/9</a:t>
+              <a:t>2022/9/10</a:t>
             </a:fld>
             <a:endParaRPr lang="zh-CN" altLang="en-US" dirty="0"/>
           </a:p>
@@ -4721,7 +4721,7 @@
               <a:pPr>
                 <a:defRPr/>
               </a:pPr>
-              <a:t>2022/9/9</a:t>
+              <a:t>2022/9/10</a:t>
             </a:fld>
             <a:endParaRPr lang="zh-CN" altLang="en-US" dirty="0"/>
           </a:p>
@@ -5375,8 +5375,8 @@
         </p:nvSpPr>
         <p:spPr bwMode="auto">
           <a:xfrm>
-            <a:off x="304339" y="3591262"/>
-            <a:ext cx="8535321" cy="2000548"/>
+            <a:off x="375444" y="3450641"/>
+            <a:ext cx="8535321" cy="2246769"/>
           </a:xfrm>
           <a:prstGeom prst="rect">
             <a:avLst/>
@@ -5587,7 +5587,7 @@
               <a:buNone/>
             </a:pPr>
             <a:r>
-              <a:rPr lang="en-US" altLang="zh-CN" sz="8000" b="1" dirty="0" err="1">
+              <a:rPr lang="en-US" altLang="zh-CN" sz="9600" b="1" dirty="0" err="1">
                 <a:solidFill>
                   <a:schemeClr val="accent1"/>
                 </a:solidFill>
@@ -5598,7 +5598,7 @@
               <a:t>Bgo</a:t>
             </a:r>
             <a:r>
-              <a:rPr lang="en-US" altLang="zh-CN" sz="4800" dirty="0" err="1">
+              <a:rPr lang="en-US" altLang="zh-CN" sz="6000" dirty="0" err="1">
                 <a:latin typeface="AkayaKanadaka" panose="02010502080401010103" pitchFamily="2" charset="77"/>
                 <a:ea typeface="SimHei" panose="02010609060101010101" pitchFamily="49" charset="-122"/>
                 <a:cs typeface="AkayaKanadaka" panose="02010502080401010103" pitchFamily="2" charset="77"/>
@@ -5606,7 +5606,7 @@
               <a:t>learn</a:t>
             </a:r>
             <a:r>
-              <a:rPr lang="en-US" altLang="zh-CN" sz="4400" dirty="0">
+              <a:rPr lang="en-US" altLang="zh-CN" sz="5400" dirty="0">
                 <a:latin typeface="AkayaKanadaka" panose="02010502080401010103" pitchFamily="2" charset="77"/>
                 <a:ea typeface="SimHei" panose="02010609060101010101" pitchFamily="49" charset="-122"/>
                 <a:cs typeface="AkayaKanadaka" panose="02010502080401010103" pitchFamily="2" charset="77"/>
@@ -5933,36 +5933,6 @@
           </a:extLst>
         </p:spPr>
       </p:pic>
-      <p:pic>
-        <p:nvPicPr>
-          <p:cNvPr id="2" name="Picture 1">
-            <a:extLst>
-              <a:ext uri="{FF2B5EF4-FFF2-40B4-BE49-F238E27FC236}">
-                <a16:creationId xmlns:a16="http://schemas.microsoft.com/office/drawing/2014/main" id="{7F2FCB9A-067B-962D-9A44-9965D7BAC213}"/>
-              </a:ext>
-            </a:extLst>
-          </p:cNvPr>
-          <p:cNvPicPr>
-            <a:picLocks noChangeAspect="1"/>
-          </p:cNvPicPr>
-          <p:nvPr/>
-        </p:nvPicPr>
-        <p:blipFill>
-          <a:blip r:embed="rId4"/>
-          <a:stretch>
-            <a:fillRect/>
-          </a:stretch>
-        </p:blipFill>
-        <p:spPr>
-          <a:xfrm>
-            <a:off x="6073775" y="-58409"/>
-            <a:ext cx="3070226" cy="929147"/>
-          </a:xfrm>
-          <a:prstGeom prst="rect">
-            <a:avLst/>
-          </a:prstGeom>
-        </p:spPr>
-      </p:pic>
     </p:spTree>
   </p:cSld>
   <p:clrMapOvr>
@@ -6169,7 +6139,15 @@
             </a:r>
             <a:r>
               <a:rPr lang="en-CN" sz="2400" b="1" dirty="0"/>
-              <a:t>even wanna definine a Kriggling model</a:t>
+              <a:t>even wanna definine </a:t>
+            </a:r>
+            <a:r>
+              <a:rPr lang="en-CN" sz="2400" b="1"/>
+              <a:t>a Krigling </a:t>
+            </a:r>
+            <a:r>
+              <a:rPr lang="en-CN" sz="2400" b="1" dirty="0"/>
+              <a:t>model</a:t>
             </a:r>
           </a:p>
         </p:txBody>
@@ -8174,7 +8152,7 @@
                 <a:ea typeface="SimHei" panose="02010609060101010101" pitchFamily="49" charset="-122"/>
                 <a:cs typeface="Arial" panose="020B0604020202020204" pitchFamily="34" charset="0"/>
               </a:rPr>
-              <a:t>-molding </a:t>
+              <a:t>-model</a:t>
             </a:r>
           </a:p>
         </p:txBody>
@@ -8266,7 +8244,7 @@
         <p:spPr>
           <a:xfrm>
             <a:off x="25696" y="4975411"/>
-            <a:ext cx="6571030" cy="461665"/>
+            <a:ext cx="4849404" cy="461665"/>
           </a:xfrm>
           <a:prstGeom prst="rect">
             <a:avLst/>
@@ -8281,7 +8259,7 @@
           <a:p>
             <a:r>
               <a:rPr lang="en-CN" sz="2400" b="1" dirty="0"/>
-              <a:t>Gaussian process regression / Krigging model</a:t>
+              <a:t>Gaussian process / Kriging model</a:t>
             </a:r>
           </a:p>
         </p:txBody>
@@ -12779,8 +12757,8 @@
         </p:nvSpPr>
         <p:spPr>
           <a:xfrm>
-            <a:off x="1385725" y="5953371"/>
-            <a:ext cx="6474849" cy="461665"/>
+            <a:off x="1637185" y="5971553"/>
+            <a:ext cx="6556603" cy="461665"/>
           </a:xfrm>
           <a:prstGeom prst="rect">
             <a:avLst/>
@@ -12795,7 +12773,7 @@
           <a:p>
             <a:r>
               <a:rPr lang="en-CN" sz="2400" b="1" dirty="0"/>
-              <a:t>POI workes </a:t>
+              <a:t>POI works </a:t>
             </a:r>
             <a:r>
               <a:rPr lang="en-CN" sz="2400" b="1" dirty="0">
@@ -12807,7 +12785,7 @@
             </a:r>
             <a:r>
               <a:rPr lang="en-CN" sz="2400" b="1" dirty="0"/>
-              <a:t> not the best one in this case!</a:t>
+              <a:t> is not the best one in this case!</a:t>
             </a:r>
           </a:p>
         </p:txBody>
